--- a/07_C207_21S1.pptx
+++ b/07_C207_21S1.pptx
@@ -2802,7 +2802,7 @@
             <p:ph idx="1"/>
             <p:extLst>
               <p:ext uri="{D42A27DB-BD31-4B8C-83A1-F6EECF244321}">
-                <p14:modId xmlns:p14="http://schemas.microsoft.com/office/powerpoint/2010/main" val="220892319"/>
+                <p14:modId xmlns:p14="http://schemas.microsoft.com/office/powerpoint/2010/main" val="4100886074"/>
               </p:ext>
             </p:extLst>
           </p:nvPr>
@@ -2995,7 +2995,7 @@
                           </a:solidFill>
                           <a:latin typeface="Courier"/>
                         </a:rPr>
-                        <a:t>this slide 08…</a:t>
+                        <a:t>this slide 07…</a:t>
                       </a:r>
                       <a:r>
                         <a:rPr lang="en-US" sz="2000" b="0" baseline="0" dirty="0">
@@ -3072,7 +3072,7 @@
                           <a:ea typeface="+mn-ea"/>
                           <a:cs typeface="Courier"/>
                         </a:rPr>
-                        <a:t>wokshop8</a:t>
+                        <a:t>wokshop7</a:t>
                       </a:r>
                       <a:r>
                         <a:rPr lang="en-US" sz="2000" b="0" baseline="0" dirty="0"/>
@@ -4097,7 +4097,7 @@
           <a:graphicData uri="http://schemas.openxmlformats.org/presentationml/2006/ole">
             <mc:AlternateContent xmlns:mc="http://schemas.openxmlformats.org/markup-compatibility/2006">
               <mc:Choice xmlns:v="urn:schemas-microsoft-com:vml" Requires="v">
-                <p:oleObj spid="_x0000_s3094" name="Equation" r:id="rId4" imgW="1397000" imgH="698500" progId="Equation.3">
+                <p:oleObj spid="_x0000_s3097" name="Equation" r:id="rId4" imgW="1397000" imgH="698500" progId="Equation.3">
                   <p:embed/>
                 </p:oleObj>
               </mc:Choice>
@@ -7578,7 +7578,7 @@
                 </a:solidFill>
                 <a:latin typeface="Courier" pitchFamily="2" charset="0"/>
               </a:rPr>
-              <a:t>  for each u ∈ U do</a:t>
+              <a:t>  for each u ∈ V do</a:t>
             </a:r>
           </a:p>
           <a:p>
@@ -8594,7 +8594,7 @@
                 </a:solidFill>
                 <a:latin typeface="Courier" pitchFamily="2" charset="0"/>
               </a:rPr>
-              <a:t>  for each u ∈ U do</a:t>
+              <a:t>  for each u ∈ V do</a:t>
             </a:r>
           </a:p>
           <a:p>
@@ -9448,7 +9448,7 @@
         </p:nvSpPr>
         <p:spPr>
           <a:xfrm>
-            <a:off x="265113" y="-243408"/>
+            <a:off x="265113" y="-156046"/>
             <a:ext cx="8623300" cy="920750"/>
           </a:xfrm>
         </p:spPr>
@@ -9672,7 +9672,7 @@
                 </a:solidFill>
                 <a:latin typeface="Courier" pitchFamily="2" charset="0"/>
               </a:rPr>
-              <a:t>  for each u ∈ U do</a:t>
+              <a:t>  for each u ∈ V do</a:t>
             </a:r>
           </a:p>
           <a:p>
@@ -10590,7 +10590,7 @@
           <a:graphicData uri="http://schemas.openxmlformats.org/presentationml/2006/ole">
             <mc:AlternateContent xmlns:mc="http://schemas.openxmlformats.org/markup-compatibility/2006">
               <mc:Choice xmlns:v="urn:schemas-microsoft-com:vml" Requires="v">
-                <p:oleObj spid="_x0000_s1074" name="Equation" r:id="rId3" imgW="114300" imgH="165100" progId="Equation.3">
+                <p:oleObj spid="_x0000_s1080" name="Equation" r:id="rId3" imgW="114300" imgH="165100" progId="Equation.3">
                   <p:embed/>
                 </p:oleObj>
               </mc:Choice>
@@ -10746,7 +10746,7 @@
           <a:graphicData uri="http://schemas.openxmlformats.org/presentationml/2006/ole">
             <mc:AlternateContent xmlns:mc="http://schemas.openxmlformats.org/markup-compatibility/2006">
               <mc:Choice xmlns:v="urn:schemas-microsoft-com:vml" Requires="v">
-                <p:oleObj spid="_x0000_s1075" name="Equation" r:id="rId6" imgW="1397000" imgH="698500" progId="Equation.3">
+                <p:oleObj spid="_x0000_s1081" name="Equation" r:id="rId6" imgW="1397000" imgH="698500" progId="Equation.3">
                   <p:embed/>
                 </p:oleObj>
               </mc:Choice>
@@ -13346,7 +13346,7 @@
           <a:graphicData uri="http://schemas.openxmlformats.org/presentationml/2006/ole">
             <mc:AlternateContent xmlns:mc="http://schemas.openxmlformats.org/markup-compatibility/2006">
               <mc:Choice xmlns:v="urn:schemas-microsoft-com:vml" Requires="v">
-                <p:oleObj spid="_x0000_s2072" name="Equation" r:id="rId6" imgW="1397000" imgH="698500" progId="Equation.3">
+                <p:oleObj spid="_x0000_s2075" name="Equation" r:id="rId6" imgW="1397000" imgH="698500" progId="Equation.3">
                   <p:embed/>
                 </p:oleObj>
               </mc:Choice>

--- a/07_C207_21S1.pptx
+++ b/07_C207_21S1.pptx
@@ -5,10 +5,10 @@
     <p:sldMasterId id="2147483660" r:id="rId1"/>
   </p:sldMasterIdLst>
   <p:notesMasterIdLst>
-    <p:notesMasterId r:id="rId19"/>
+    <p:notesMasterId r:id="rId20"/>
   </p:notesMasterIdLst>
   <p:handoutMasterIdLst>
-    <p:handoutMasterId r:id="rId20"/>
+    <p:handoutMasterId r:id="rId21"/>
   </p:handoutMasterIdLst>
   <p:sldIdLst>
     <p:sldId id="603" r:id="rId2"/>
@@ -27,7 +27,8 @@
     <p:sldId id="604" r:id="rId15"/>
     <p:sldId id="609" r:id="rId16"/>
     <p:sldId id="610" r:id="rId17"/>
-    <p:sldId id="611" r:id="rId18"/>
+    <p:sldId id="612" r:id="rId18"/>
+    <p:sldId id="611" r:id="rId19"/>
   </p:sldIdLst>
   <p:sldSz cx="9144000" cy="6858000" type="screen4x3"/>
   <p:notesSz cx="6858000" cy="9144000"/>
@@ -4097,7 +4098,7 @@
           <a:graphicData uri="http://schemas.openxmlformats.org/presentationml/2006/ole">
             <mc:AlternateContent xmlns:mc="http://schemas.openxmlformats.org/markup-compatibility/2006">
               <mc:Choice xmlns:v="urn:schemas-microsoft-com:vml" Requires="v">
-                <p:oleObj spid="_x0000_s3097" name="Equation" r:id="rId4" imgW="1397000" imgH="698500" progId="Equation.3">
+                <p:oleObj spid="_x0000_s3098" name="Equation" r:id="rId4" imgW="1397000" imgH="698500" progId="Equation.3">
                   <p:embed/>
                 </p:oleObj>
               </mc:Choice>
@@ -6835,20 +6836,13 @@
           <a:p>
             <a:r>
               <a:rPr lang="en-US" sz="2400" dirty="0"/>
-              <a:t>LAB: </a:t>
-            </a:r>
-            <a:r>
-              <a:rPr lang="en-US" sz="2400" dirty="0">
-                <a:solidFill>
-                  <a:schemeClr val="tx1"/>
-                </a:solidFill>
-              </a:rPr>
-              <a:t>Task 2</a:t>
-            </a:r>
-            <a:r>
-              <a:rPr lang="en-US" sz="2400" dirty="0"/>
-              <a:t> – implement Dijkstra’s</a:t>
-            </a:r>
+              <a:t>LAB: more on </a:t>
+            </a:r>
+            <a:r>
+              <a:rPr lang="en-US" sz="2400" dirty="0" err="1"/>
+              <a:t>queue.h</a:t>
+            </a:r>
+            <a:endParaRPr lang="en-US" sz="2400" dirty="0"/>
           </a:p>
         </p:txBody>
       </p:sp>
@@ -6883,7 +6877,15 @@
             </a:pPr>
             <a:r>
               <a:rPr lang="en-US" sz="2000" dirty="0"/>
-              <a:t>We need priority queue! Examine </a:t>
+              <a:t>Suppose we want to </a:t>
+            </a:r>
+            <a:r>
+              <a:rPr lang="en-US" sz="2000" dirty="0" err="1"/>
+              <a:t>buils</a:t>
+            </a:r>
+            <a:r>
+              <a:rPr lang="en-US" sz="2000" dirty="0"/>
+              <a:t> a queue module (</a:t>
             </a:r>
             <a:r>
               <a:rPr lang="en-US" sz="2000" dirty="0" err="1">
@@ -6891,313 +6893,60 @@
                   <a:srgbClr val="080FAC"/>
                 </a:solidFill>
                 <a:latin typeface="Courier" pitchFamily="2" charset="0"/>
-              </a:rPr>
-              <a:t>priorityqueue.h</a:t>
-            </a:r>
-            <a:r>
-              <a:rPr lang="en-US" sz="2000" dirty="0">
-                <a:solidFill>
-                  <a:srgbClr val="080FAC"/>
-                </a:solidFill>
-                <a:latin typeface="Courier" pitchFamily="2" charset="0"/>
-              </a:rPr>
-              <a:t> </a:t>
+                <a:ea typeface="+mn-ea"/>
+                <a:cs typeface="+mn-cs"/>
+              </a:rPr>
+              <a:t>queue.h</a:t>
             </a:r>
             <a:r>
               <a:rPr lang="en-US" sz="2000" dirty="0"/>
-              <a:t>to know the interface (the data type, the functions). Then</a:t>
-            </a:r>
-          </a:p>
-          <a:p>
-            <a:r>
-              <a:rPr lang="en-US" sz="2000" b="1" dirty="0"/>
-              <a:t>Step 2.1:</a:t>
+              <a:t> and </a:t>
+            </a:r>
+            <a:r>
+              <a:rPr lang="en-US" sz="2000" dirty="0" err="1">
+                <a:solidFill>
+                  <a:srgbClr val="080FAC"/>
+                </a:solidFill>
+                <a:latin typeface="Courier" pitchFamily="2" charset="0"/>
+                <a:ea typeface="+mn-ea"/>
+                <a:cs typeface="+mn-cs"/>
+              </a:rPr>
+              <a:t>queue.c</a:t>
             </a:r>
             <a:r>
               <a:rPr lang="en-US" sz="2000" dirty="0"/>
-              <a:t> Write </a:t>
-            </a:r>
-            <a:r>
-              <a:rPr lang="en-US" sz="2000" dirty="0" err="1">
-                <a:solidFill>
-                  <a:srgbClr val="080FAC"/>
-                </a:solidFill>
-                <a:latin typeface="Courier" pitchFamily="2" charset="0"/>
-              </a:rPr>
-              <a:t>diskstra</a:t>
-            </a:r>
-            <a:r>
-              <a:rPr lang="en-US" sz="2000" dirty="0">
-                <a:solidFill>
-                  <a:srgbClr val="080FAC"/>
-                </a:solidFill>
-                <a:latin typeface="Courier" pitchFamily="2" charset="0"/>
-              </a:rPr>
-              <a:t>(…) </a:t>
-            </a:r>
-            <a:r>
-              <a:rPr lang="en-US" sz="2000" dirty="0"/>
-              <a:t>to find shortest path from a source s, and add a function call in </a:t>
-            </a:r>
-            <a:r>
-              <a:rPr lang="en-US" sz="2000" dirty="0">
-                <a:solidFill>
-                  <a:srgbClr val="080FAC"/>
-                </a:solidFill>
-                <a:latin typeface="Courier" pitchFamily="2" charset="0"/>
-              </a:rPr>
-              <a:t>main().</a:t>
-            </a:r>
-            <a:r>
-              <a:rPr lang="en-US" sz="2000" dirty="0"/>
-              <a:t> At first, </a:t>
-            </a:r>
-            <a:r>
-              <a:rPr lang="en-US" sz="2000" dirty="0" err="1">
-                <a:solidFill>
-                  <a:srgbClr val="080FAC"/>
-                </a:solidFill>
-                <a:latin typeface="Courier" pitchFamily="2" charset="0"/>
-              </a:rPr>
-              <a:t>dikstra</a:t>
-            </a:r>
-            <a:r>
-              <a:rPr lang="en-US" sz="2000" dirty="0">
-                <a:solidFill>
-                  <a:srgbClr val="080FAC"/>
-                </a:solidFill>
-                <a:latin typeface="Courier" pitchFamily="2" charset="0"/>
-              </a:rPr>
-              <a:t>(…</a:t>
-            </a:r>
-            <a:r>
-              <a:rPr lang="en-US" sz="2000" dirty="0"/>
-              <a:t>) just builds up arrays </a:t>
-            </a:r>
-            <a:r>
-              <a:rPr lang="en-US" sz="2000" dirty="0" err="1">
-                <a:solidFill>
-                  <a:srgbClr val="080FAC"/>
-                </a:solidFill>
-                <a:latin typeface="Courier" pitchFamily="2" charset="0"/>
-              </a:rPr>
-              <a:t>dist</a:t>
-            </a:r>
-            <a:r>
-              <a:rPr lang="en-US" sz="2000" dirty="0">
-                <a:solidFill>
-                  <a:srgbClr val="080FAC"/>
-                </a:solidFill>
-                <a:latin typeface="Courier" pitchFamily="2" charset="0"/>
-              </a:rPr>
-              <a:t>[] </a:t>
-            </a:r>
-            <a:r>
-              <a:rPr lang="en-US" sz="2000" dirty="0"/>
-              <a:t>and </a:t>
-            </a:r>
-            <a:r>
-              <a:rPr lang="en-US" sz="2000" dirty="0" err="1">
-                <a:solidFill>
-                  <a:srgbClr val="080FAC"/>
-                </a:solidFill>
-                <a:latin typeface="Courier" pitchFamily="2" charset="0"/>
-              </a:rPr>
-              <a:t>pred</a:t>
-            </a:r>
-            <a:r>
-              <a:rPr lang="en-US" sz="2000" dirty="0">
-                <a:solidFill>
-                  <a:srgbClr val="080FAC"/>
-                </a:solidFill>
-                <a:latin typeface="Courier" pitchFamily="2" charset="0"/>
-              </a:rPr>
-              <a:t>[]. </a:t>
-            </a:r>
-            <a:r>
-              <a:rPr lang="en-US" sz="2000" dirty="0"/>
-              <a:t>Note that:</a:t>
-            </a:r>
-          </a:p>
-          <a:p>
-            <a:pPr lvl="1"/>
-            <a:r>
-              <a:rPr lang="en-US" sz="1800" dirty="0"/>
-              <a:t> it would be convenient to have an array </a:t>
-            </a:r>
-            <a:r>
-              <a:rPr lang="en-US" sz="1800" dirty="0">
-                <a:solidFill>
-                  <a:srgbClr val="080FAC"/>
-                </a:solidFill>
-                <a:latin typeface="Courier" pitchFamily="2" charset="0"/>
-              </a:rPr>
-              <a:t>visited[] </a:t>
-            </a:r>
-            <a:r>
-              <a:rPr lang="en-US" sz="1800" dirty="0"/>
-              <a:t>so that </a:t>
-            </a:r>
-            <a:r>
-              <a:rPr lang="en-US" sz="1800" dirty="0">
-                <a:solidFill>
-                  <a:srgbClr val="080FAC"/>
-                </a:solidFill>
-                <a:latin typeface="Courier" pitchFamily="2" charset="0"/>
-              </a:rPr>
-              <a:t>visited[u]= true </a:t>
-            </a:r>
-            <a:r>
-              <a:rPr lang="en-US" sz="1800" dirty="0" err="1"/>
-              <a:t>iif</a:t>
-            </a:r>
-            <a:r>
-              <a:rPr lang="en-US" sz="1800" dirty="0"/>
-              <a:t> the the shortest path for u already found,</a:t>
-            </a:r>
-          </a:p>
-          <a:p>
-            <a:pPr lvl="1"/>
-            <a:r>
-              <a:rPr lang="en-US" sz="1800" dirty="0"/>
-              <a:t>when inserting to </a:t>
-            </a:r>
-            <a:r>
-              <a:rPr lang="en-US" sz="1800" dirty="0">
-                <a:solidFill>
-                  <a:srgbClr val="080FAC"/>
-                </a:solidFill>
-                <a:latin typeface="Courier" pitchFamily="2" charset="0"/>
-              </a:rPr>
-              <a:t>PQ</a:t>
-            </a:r>
-            <a:r>
-              <a:rPr lang="en-US" sz="1800" dirty="0"/>
-              <a:t>, you should insert both node </a:t>
-            </a:r>
-            <a:r>
-              <a:rPr lang="en-US" sz="1800" dirty="0">
-                <a:solidFill>
-                  <a:srgbClr val="080FAC"/>
-                </a:solidFill>
-                <a:latin typeface="Courier" pitchFamily="2" charset="0"/>
-              </a:rPr>
-              <a:t>u </a:t>
-            </a:r>
-            <a:r>
-              <a:rPr lang="en-US" sz="1800" dirty="0"/>
-              <a:t>and distance </a:t>
-            </a:r>
-            <a:r>
-              <a:rPr lang="en-US" sz="1800" dirty="0" err="1">
-                <a:solidFill>
-                  <a:srgbClr val="080FAC"/>
-                </a:solidFill>
-                <a:latin typeface="Courier" pitchFamily="2" charset="0"/>
-              </a:rPr>
-              <a:t>dist</a:t>
-            </a:r>
-            <a:r>
-              <a:rPr lang="en-US" sz="1800" dirty="0">
-                <a:solidFill>
-                  <a:srgbClr val="080FAC"/>
-                </a:solidFill>
-                <a:latin typeface="Courier" pitchFamily="2" charset="0"/>
-              </a:rPr>
-              <a:t>[u]</a:t>
-            </a:r>
-          </a:p>
-          <a:p>
-            <a:pPr lvl="1"/>
-            <a:r>
-              <a:rPr lang="en-US" sz="1800" dirty="0"/>
-              <a:t>when modifying </a:t>
-            </a:r>
-            <a:r>
-              <a:rPr lang="en-US" sz="1800" dirty="0" err="1">
-                <a:solidFill>
-                  <a:srgbClr val="080FAC"/>
-                </a:solidFill>
-                <a:latin typeface="Courier" pitchFamily="2" charset="0"/>
-              </a:rPr>
-              <a:t>dist</a:t>
-            </a:r>
-            <a:r>
-              <a:rPr lang="en-US" sz="1800" dirty="0">
-                <a:solidFill>
-                  <a:srgbClr val="080FAC"/>
-                </a:solidFill>
-                <a:latin typeface="Courier" pitchFamily="2" charset="0"/>
-              </a:rPr>
-              <a:t>[v]</a:t>
-            </a:r>
-            <a:r>
-              <a:rPr lang="en-US" sz="1800" dirty="0"/>
-              <a:t>, remember to modify the corresponding priority in the </a:t>
-            </a:r>
-            <a:r>
-              <a:rPr lang="en-US" sz="1800" dirty="0">
-                <a:solidFill>
-                  <a:srgbClr val="080FAC"/>
-                </a:solidFill>
-                <a:latin typeface="Courier" pitchFamily="2" charset="0"/>
-              </a:rPr>
-              <a:t>PQ</a:t>
-            </a:r>
-            <a:r>
-              <a:rPr lang="en-US" sz="1800" dirty="0"/>
-              <a:t>. What is the complexity of that </a:t>
-            </a:r>
-            <a:r>
-              <a:rPr lang="en-AU" sz="1800" dirty="0" err="1">
-                <a:solidFill>
-                  <a:srgbClr val="080FAC"/>
-                </a:solidFill>
-                <a:latin typeface="Courier" pitchFamily="2" charset="0"/>
-              </a:rPr>
-              <a:t>priority_queue_update</a:t>
-            </a:r>
-            <a:r>
-              <a:rPr lang="en-AU" sz="1800" dirty="0"/>
-              <a:t> ?</a:t>
-            </a:r>
-            <a:endParaRPr lang="en-US" sz="1800" dirty="0"/>
-          </a:p>
-          <a:p>
-            <a:r>
-              <a:rPr lang="en-US" sz="2000" b="1" dirty="0"/>
-              <a:t>Step 2.2:</a:t>
-            </a:r>
-            <a:r>
-              <a:rPr lang="en-US" sz="2000" dirty="0"/>
-              <a:t> What should </a:t>
-            </a:r>
-            <a:r>
-              <a:rPr lang="en-US" sz="2000" dirty="0" err="1">
-                <a:solidFill>
-                  <a:srgbClr val="080FAC"/>
-                </a:solidFill>
-                <a:latin typeface="Courier" pitchFamily="2" charset="0"/>
-              </a:rPr>
-              <a:t>dijkstra</a:t>
-            </a:r>
-            <a:r>
-              <a:rPr lang="en-US" sz="2000" dirty="0">
-                <a:solidFill>
-                  <a:srgbClr val="080FAC"/>
-                </a:solidFill>
-                <a:latin typeface="Courier" pitchFamily="2" charset="0"/>
-              </a:rPr>
-              <a:t>()</a:t>
-            </a:r>
-            <a:r>
-              <a:rPr lang="en-US" sz="2000" dirty="0"/>
-              <a:t> output? </a:t>
-            </a:r>
-            <a:r>
-              <a:rPr lang="en-AU" sz="2000" dirty="0"/>
-              <a:t>Modify your function to store the paths from the start node to each other node in an array of linked lists or an array of arrays. Which data structure will be easier to work with? </a:t>
-            </a:r>
+              <a:t>) in a least effort manner, using the list module.</a:t>
+            </a:r>
+          </a:p>
+          <a:p>
+            <a:pPr marL="0" indent="0">
+              <a:buNone/>
+            </a:pPr>
+            <a:endParaRPr lang="en-US" sz="2000" dirty="0"/>
+          </a:p>
+          <a:p>
+            <a:pPr marL="0" indent="0">
+              <a:buNone/>
+            </a:pPr>
+            <a:endParaRPr lang="en-US" sz="2000" dirty="0"/>
+          </a:p>
+          <a:p>
+            <a:pPr marL="0" indent="0">
+              <a:buNone/>
+            </a:pPr>
+            <a:endParaRPr lang="en-US" sz="2000" dirty="0"/>
+          </a:p>
+          <a:p>
+            <a:pPr marL="0" indent="0">
+              <a:buNone/>
+            </a:pPr>
+            <a:endParaRPr lang="en-US" sz="2000" dirty="0"/>
+          </a:p>
+          <a:p>
+            <a:pPr marL="0" indent="0">
+              <a:buNone/>
+            </a:pPr>
+            <a:endParaRPr lang="en-US" sz="2000" dirty="0"/>
           </a:p>
           <a:p>
             <a:pPr marL="0" indent="0">
@@ -7310,6 +7059,938 @@
                 <a:defRPr/>
               </a:pPr>
               <a:t>17</a:t>
+            </a:fld>
+            <a:endParaRPr lang="en-US" dirty="0"/>
+          </a:p>
+        </p:txBody>
+      </p:sp>
+      <p:graphicFrame>
+        <p:nvGraphicFramePr>
+          <p:cNvPr id="9" name="Table 9">
+            <a:extLst>
+              <a:ext uri="{FF2B5EF4-FFF2-40B4-BE49-F238E27FC236}">
+                <a16:creationId xmlns:a16="http://schemas.microsoft.com/office/drawing/2014/main" id="{FFCB4311-8CE0-0A4F-9ECA-1A2F617F5AB8}"/>
+              </a:ext>
+            </a:extLst>
+          </p:cNvPr>
+          <p:cNvGraphicFramePr>
+            <a:graphicFrameLocks noGrp="1"/>
+          </p:cNvGraphicFramePr>
+          <p:nvPr>
+            <p:extLst>
+              <p:ext uri="{D42A27DB-BD31-4B8C-83A1-F6EECF244321}">
+                <p14:modId xmlns:p14="http://schemas.microsoft.com/office/powerpoint/2010/main" val="3666719045"/>
+              </p:ext>
+            </p:extLst>
+          </p:nvPr>
+        </p:nvGraphicFramePr>
+        <p:xfrm>
+          <a:off x="265113" y="1397000"/>
+          <a:ext cx="8562804" cy="4302760"/>
+        </p:xfrm>
+        <a:graphic>
+          <a:graphicData uri="http://schemas.openxmlformats.org/drawingml/2006/table">
+            <a:tbl>
+              <a:tblPr firstRow="1" bandRow="1">
+                <a:tableStyleId>{5C22544A-7EE6-4342-B048-85BDC9FD1C3A}</a:tableStyleId>
+              </a:tblPr>
+              <a:tblGrid>
+                <a:gridCol w="5531023">
+                  <a:extLst>
+                    <a:ext uri="{9D8B030D-6E8A-4147-A177-3AD203B41FA5}">
+                      <a16:colId xmlns:a16="http://schemas.microsoft.com/office/drawing/2014/main" val="2536503837"/>
+                    </a:ext>
+                  </a:extLst>
+                </a:gridCol>
+                <a:gridCol w="3031781">
+                  <a:extLst>
+                    <a:ext uri="{9D8B030D-6E8A-4147-A177-3AD203B41FA5}">
+                      <a16:colId xmlns:a16="http://schemas.microsoft.com/office/drawing/2014/main" val="2298409318"/>
+                    </a:ext>
+                  </a:extLst>
+                </a:gridCol>
+              </a:tblGrid>
+              <a:tr h="370840">
+                <a:tc>
+                  <a:txBody>
+                    <a:bodyPr/>
+                    <a:lstStyle/>
+                    <a:p>
+                      <a:r>
+                        <a:rPr lang="en-US" dirty="0" err="1"/>
+                        <a:t>queue.h</a:t>
+                      </a:r>
+                      <a:endParaRPr lang="en-US" dirty="0"/>
+                    </a:p>
+                  </a:txBody>
+                  <a:tcPr/>
+                </a:tc>
+                <a:tc>
+                  <a:txBody>
+                    <a:bodyPr/>
+                    <a:lstStyle/>
+                    <a:p>
+                      <a:r>
+                        <a:rPr lang="en-US" dirty="0"/>
+                        <a:t>Notes</a:t>
+                      </a:r>
+                    </a:p>
+                  </a:txBody>
+                  <a:tcPr/>
+                </a:tc>
+                <a:extLst>
+                  <a:ext uri="{0D108BD9-81ED-4DB2-BD59-A6C34878D82A}">
+                    <a16:rowId xmlns:a16="http://schemas.microsoft.com/office/drawing/2014/main" val="3833094067"/>
+                  </a:ext>
+                </a:extLst>
+              </a:tr>
+              <a:tr h="370840">
+                <a:tc>
+                  <a:txBody>
+                    <a:bodyPr/>
+                    <a:lstStyle/>
+                    <a:p>
+                      <a:r>
+                        <a:rPr lang="en-US" dirty="0">
+                          <a:solidFill>
+                            <a:srgbClr val="C00000"/>
+                          </a:solidFill>
+                          <a:latin typeface="Courier" pitchFamily="2" charset="0"/>
+                        </a:rPr>
+                        <a:t>#</a:t>
+                      </a:r>
+                      <a:r>
+                        <a:rPr lang="en-US" dirty="0" err="1">
+                          <a:solidFill>
+                            <a:srgbClr val="C00000"/>
+                          </a:solidFill>
+                          <a:latin typeface="Courier" pitchFamily="2" charset="0"/>
+                        </a:rPr>
+                        <a:t>ifndef</a:t>
+                      </a:r>
+                      <a:r>
+                        <a:rPr lang="en-US" dirty="0">
+                          <a:solidFill>
+                            <a:srgbClr val="C00000"/>
+                          </a:solidFill>
+                          <a:latin typeface="Courier" pitchFamily="2" charset="0"/>
+                        </a:rPr>
+                        <a:t> _QUEUE_H_</a:t>
+                      </a:r>
+                    </a:p>
+                    <a:p>
+                      <a:r>
+                        <a:rPr lang="en-US" dirty="0">
+                          <a:solidFill>
+                            <a:srgbClr val="C00000"/>
+                          </a:solidFill>
+                          <a:latin typeface="Courier" pitchFamily="2" charset="0"/>
+                        </a:rPr>
+                        <a:t>#define _QUEUE_H_</a:t>
+                      </a:r>
+                    </a:p>
+                    <a:p>
+                      <a:endParaRPr lang="en-US" dirty="0">
+                        <a:solidFill>
+                          <a:srgbClr val="080FAC"/>
+                        </a:solidFill>
+                        <a:latin typeface="Courier" pitchFamily="2" charset="0"/>
+                      </a:endParaRPr>
+                    </a:p>
+                    <a:p>
+                      <a:r>
+                        <a:rPr lang="en-US" dirty="0">
+                          <a:solidFill>
+                            <a:srgbClr val="080FAC"/>
+                          </a:solidFill>
+                          <a:latin typeface="Courier" pitchFamily="2" charset="0"/>
+                        </a:rPr>
+                        <a:t>#include “</a:t>
+                      </a:r>
+                      <a:r>
+                        <a:rPr lang="en-US" dirty="0" err="1">
+                          <a:solidFill>
+                            <a:srgbClr val="080FAC"/>
+                          </a:solidFill>
+                          <a:latin typeface="Courier" pitchFamily="2" charset="0"/>
+                        </a:rPr>
+                        <a:t>list.h</a:t>
+                      </a:r>
+                      <a:r>
+                        <a:rPr lang="en-US" dirty="0">
+                          <a:solidFill>
+                            <a:srgbClr val="080FAC"/>
+                          </a:solidFill>
+                          <a:latin typeface="Courier" pitchFamily="2" charset="0"/>
+                        </a:rPr>
+                        <a:t>"</a:t>
+                      </a:r>
+                    </a:p>
+                    <a:p>
+                      <a:r>
+                        <a:rPr lang="en-US" dirty="0">
+                          <a:solidFill>
+                            <a:srgbClr val="080FAC"/>
+                          </a:solidFill>
+                          <a:latin typeface="Courier" pitchFamily="2" charset="0"/>
+                        </a:rPr>
+                        <a:t>typedef List Queue;</a:t>
+                      </a:r>
+                    </a:p>
+                    <a:p>
+                      <a:endParaRPr lang="en-US" dirty="0">
+                        <a:solidFill>
+                          <a:srgbClr val="080FAC"/>
+                        </a:solidFill>
+                        <a:latin typeface="Courier" pitchFamily="2" charset="0"/>
+                      </a:endParaRPr>
+                    </a:p>
+                    <a:p>
+                      <a:r>
+                        <a:rPr lang="en-US" dirty="0">
+                          <a:solidFill>
+                            <a:srgbClr val="080FAC"/>
+                          </a:solidFill>
+                          <a:latin typeface="Courier" pitchFamily="2" charset="0"/>
+                        </a:rPr>
+                        <a:t>Queue *</a:t>
+                      </a:r>
+                      <a:r>
+                        <a:rPr lang="en-US" dirty="0" err="1">
+                          <a:solidFill>
+                            <a:srgbClr val="080FAC"/>
+                          </a:solidFill>
+                          <a:latin typeface="Courier" pitchFamily="2" charset="0"/>
+                        </a:rPr>
+                        <a:t>new_queue</a:t>
+                      </a:r>
+                      <a:r>
+                        <a:rPr lang="en-US" dirty="0">
+                          <a:solidFill>
+                            <a:srgbClr val="080FAC"/>
+                          </a:solidFill>
+                          <a:latin typeface="Courier" pitchFamily="2" charset="0"/>
+                        </a:rPr>
+                        <a:t>();</a:t>
+                      </a:r>
+                    </a:p>
+                    <a:p>
+                      <a:r>
+                        <a:rPr lang="en-US" dirty="0">
+                          <a:solidFill>
+                            <a:srgbClr val="080FAC"/>
+                          </a:solidFill>
+                          <a:latin typeface="Courier" pitchFamily="2" charset="0"/>
+                        </a:rPr>
+                        <a:t>void </a:t>
+                      </a:r>
+                      <a:r>
+                        <a:rPr lang="en-US" dirty="0" err="1">
+                          <a:solidFill>
+                            <a:srgbClr val="080FAC"/>
+                          </a:solidFill>
+                          <a:latin typeface="Courier" pitchFamily="2" charset="0"/>
+                        </a:rPr>
+                        <a:t>free_queue</a:t>
+                      </a:r>
+                      <a:r>
+                        <a:rPr lang="en-US">
+                          <a:solidFill>
+                            <a:srgbClr val="080FAC"/>
+                          </a:solidFill>
+                          <a:latin typeface="Courier" pitchFamily="2" charset="0"/>
+                        </a:rPr>
+                        <a:t>(Queue *q);</a:t>
+                      </a:r>
+                    </a:p>
+                    <a:p>
+                      <a:endParaRPr lang="en-US" dirty="0">
+                        <a:solidFill>
+                          <a:srgbClr val="080FAC"/>
+                        </a:solidFill>
+                        <a:latin typeface="Courier" pitchFamily="2" charset="0"/>
+                      </a:endParaRPr>
+                    </a:p>
+                    <a:p>
+                      <a:r>
+                        <a:rPr lang="en-US" dirty="0">
+                          <a:solidFill>
+                            <a:srgbClr val="080FAC"/>
+                          </a:solidFill>
+                          <a:latin typeface="Courier" pitchFamily="2" charset="0"/>
+                        </a:rPr>
+                        <a:t>void enqueue(Queue *q, int data);</a:t>
+                      </a:r>
+                    </a:p>
+                    <a:p>
+                      <a:r>
+                        <a:rPr lang="en-US" dirty="0">
+                          <a:solidFill>
+                            <a:srgbClr val="080FAC"/>
+                          </a:solidFill>
+                          <a:latin typeface="Courier" pitchFamily="2" charset="0"/>
+                        </a:rPr>
+                        <a:t>int dequeue(Queue *q);</a:t>
+                      </a:r>
+                    </a:p>
+                    <a:p>
+                      <a:r>
+                        <a:rPr lang="en-US" dirty="0">
+                          <a:solidFill>
+                            <a:srgbClr val="080FAC"/>
+                          </a:solidFill>
+                          <a:latin typeface="Courier" pitchFamily="2" charset="0"/>
+                        </a:rPr>
+                        <a:t>int </a:t>
+                      </a:r>
+                      <a:r>
+                        <a:rPr lang="en-US" dirty="0" err="1">
+                          <a:solidFill>
+                            <a:srgbClr val="080FAC"/>
+                          </a:solidFill>
+                          <a:latin typeface="Courier" pitchFamily="2" charset="0"/>
+                        </a:rPr>
+                        <a:t>queue_is_empty</a:t>
+                      </a:r>
+                      <a:r>
+                        <a:rPr lang="en-US" dirty="0">
+                          <a:solidFill>
+                            <a:srgbClr val="080FAC"/>
+                          </a:solidFill>
+                          <a:latin typeface="Courier" pitchFamily="2" charset="0"/>
+                        </a:rPr>
+                        <a:t>(Queue *q);</a:t>
+                      </a:r>
+                    </a:p>
+                    <a:p>
+                      <a:endParaRPr lang="en-US" dirty="0">
+                        <a:solidFill>
+                          <a:srgbClr val="C00000"/>
+                        </a:solidFill>
+                        <a:latin typeface="Courier" pitchFamily="2" charset="0"/>
+                      </a:endParaRPr>
+                    </a:p>
+                    <a:p>
+                      <a:r>
+                        <a:rPr lang="en-US" dirty="0">
+                          <a:solidFill>
+                            <a:srgbClr val="C00000"/>
+                          </a:solidFill>
+                          <a:latin typeface="Courier" pitchFamily="2" charset="0"/>
+                        </a:rPr>
+                        <a:t>#endif</a:t>
+                      </a:r>
+                    </a:p>
+                  </a:txBody>
+                  <a:tcPr/>
+                </a:tc>
+                <a:tc>
+                  <a:txBody>
+                    <a:bodyPr/>
+                    <a:lstStyle/>
+                    <a:p>
+                      <a:r>
+                        <a:rPr lang="en-US" dirty="0"/>
+                        <a:t>Any </a:t>
+                      </a:r>
+                      <a:r>
+                        <a:rPr lang="en-US" sz="1800" kern="1200" dirty="0">
+                          <a:solidFill>
+                            <a:srgbClr val="080FAC"/>
+                          </a:solidFill>
+                          <a:latin typeface="Courier" pitchFamily="2" charset="0"/>
+                          <a:ea typeface="+mn-ea"/>
+                          <a:cs typeface="+mn-cs"/>
+                        </a:rPr>
+                        <a:t>.h</a:t>
+                      </a:r>
+                      <a:r>
+                        <a:rPr lang="en-US" dirty="0"/>
+                        <a:t> file needs to have the first 2 and the last 1 </a:t>
+                      </a:r>
+                      <a:r>
+                        <a:rPr lang="en-US" dirty="0">
+                          <a:solidFill>
+                            <a:srgbClr val="C00000"/>
+                          </a:solidFill>
+                        </a:rPr>
+                        <a:t>red</a:t>
+                      </a:r>
+                      <a:r>
+                        <a:rPr lang="en-US" dirty="0"/>
+                        <a:t> lines. Why?</a:t>
+                      </a:r>
+                    </a:p>
+                    <a:p>
+                      <a:endParaRPr lang="en-US" dirty="0"/>
+                    </a:p>
+                    <a:p>
+                      <a:r>
+                        <a:rPr lang="en-US" dirty="0"/>
+                        <a:t>Using these 3 lines in </a:t>
+                      </a:r>
+                      <a:r>
+                        <a:rPr lang="en-US" sz="1800" kern="1200" dirty="0">
+                          <a:solidFill>
+                            <a:srgbClr val="080FAC"/>
+                          </a:solidFill>
+                          <a:latin typeface="Courier" pitchFamily="2" charset="0"/>
+                          <a:ea typeface="+mn-ea"/>
+                          <a:cs typeface="+mn-cs"/>
+                        </a:rPr>
+                        <a:t>.h</a:t>
+                      </a:r>
+                      <a:r>
+                        <a:rPr lang="en-US" dirty="0"/>
+                        <a:t> files is a good convention.</a:t>
+                      </a:r>
+                    </a:p>
+                  </a:txBody>
+                  <a:tcPr/>
+                </a:tc>
+                <a:extLst>
+                  <a:ext uri="{0D108BD9-81ED-4DB2-BD59-A6C34878D82A}">
+                    <a16:rowId xmlns:a16="http://schemas.microsoft.com/office/drawing/2014/main" val="4126815734"/>
+                  </a:ext>
+                </a:extLst>
+              </a:tr>
+            </a:tbl>
+          </a:graphicData>
+        </a:graphic>
+      </p:graphicFrame>
+    </p:spTree>
+    <p:extLst>
+      <p:ext uri="{BB962C8B-B14F-4D97-AF65-F5344CB8AC3E}">
+        <p14:creationId xmlns:p14="http://schemas.microsoft.com/office/powerpoint/2010/main" val="4033775667"/>
+      </p:ext>
+    </p:extLst>
+  </p:cSld>
+  <p:clrMapOvr>
+    <a:masterClrMapping/>
+  </p:clrMapOvr>
+</p:sld>
+</file>
+
+<file path=ppt/slides/slide18.xml><?xml version="1.0" encoding="utf-8"?>
+<p:sld xmlns:a="http://schemas.openxmlformats.org/drawingml/2006/main" xmlns:r="http://schemas.openxmlformats.org/officeDocument/2006/relationships" xmlns:p="http://schemas.openxmlformats.org/presentationml/2006/main">
+  <p:cSld>
+    <p:spTree>
+      <p:nvGrpSpPr>
+        <p:cNvPr id="1" name=""/>
+        <p:cNvGrpSpPr/>
+        <p:nvPr/>
+      </p:nvGrpSpPr>
+      <p:grpSpPr>
+        <a:xfrm>
+          <a:off x="0" y="0"/>
+          <a:ext cx="0" cy="0"/>
+          <a:chOff x="0" y="0"/>
+          <a:chExt cx="0" cy="0"/>
+        </a:xfrm>
+      </p:grpSpPr>
+      <p:sp>
+        <p:nvSpPr>
+          <p:cNvPr id="2" name="Title 1">
+            <a:extLst>
+              <a:ext uri="{FF2B5EF4-FFF2-40B4-BE49-F238E27FC236}">
+                <a16:creationId xmlns:a16="http://schemas.microsoft.com/office/drawing/2014/main" id="{20CA60E3-C7A2-E64B-B972-F4DDB911DFE9}"/>
+              </a:ext>
+            </a:extLst>
+          </p:cNvPr>
+          <p:cNvSpPr>
+            <a:spLocks noGrp="1"/>
+          </p:cNvSpPr>
+          <p:nvPr>
+            <p:ph type="title"/>
+          </p:nvPr>
+        </p:nvSpPr>
+        <p:spPr>
+          <a:xfrm>
+            <a:off x="265113" y="107951"/>
+            <a:ext cx="8623300" cy="413678"/>
+          </a:xfrm>
+        </p:spPr>
+        <p:txBody>
+          <a:bodyPr/>
+          <a:lstStyle/>
+          <a:p>
+            <a:r>
+              <a:rPr lang="en-US" sz="2400" dirty="0"/>
+              <a:t>LAB: </a:t>
+            </a:r>
+            <a:r>
+              <a:rPr lang="en-US" sz="2400" dirty="0">
+                <a:solidFill>
+                  <a:schemeClr val="tx1"/>
+                </a:solidFill>
+              </a:rPr>
+              <a:t>Task 2</a:t>
+            </a:r>
+            <a:r>
+              <a:rPr lang="en-US" sz="2400" dirty="0"/>
+              <a:t> – implement Dijkstra’s</a:t>
+            </a:r>
+          </a:p>
+        </p:txBody>
+      </p:sp>
+      <p:sp>
+        <p:nvSpPr>
+          <p:cNvPr id="3" name="Content Placeholder 2">
+            <a:extLst>
+              <a:ext uri="{FF2B5EF4-FFF2-40B4-BE49-F238E27FC236}">
+                <a16:creationId xmlns:a16="http://schemas.microsoft.com/office/drawing/2014/main" id="{1977CC0A-1741-EE48-88B5-9A3A231DFE83}"/>
+              </a:ext>
+            </a:extLst>
+          </p:cNvPr>
+          <p:cNvSpPr>
+            <a:spLocks noGrp="1"/>
+          </p:cNvSpPr>
+          <p:nvPr>
+            <p:ph idx="1"/>
+          </p:nvPr>
+        </p:nvSpPr>
+        <p:spPr>
+          <a:xfrm>
+            <a:off x="265113" y="641609"/>
+            <a:ext cx="8623300" cy="4800600"/>
+          </a:xfrm>
+        </p:spPr>
+        <p:txBody>
+          <a:bodyPr/>
+          <a:lstStyle/>
+          <a:p>
+            <a:pPr marL="0" indent="0">
+              <a:buNone/>
+            </a:pPr>
+            <a:r>
+              <a:rPr lang="en-US" sz="2000" dirty="0"/>
+              <a:t>We need priority queue! Examine </a:t>
+            </a:r>
+            <a:r>
+              <a:rPr lang="en-US" sz="2000" dirty="0" err="1">
+                <a:solidFill>
+                  <a:srgbClr val="080FAC"/>
+                </a:solidFill>
+                <a:latin typeface="Courier" pitchFamily="2" charset="0"/>
+              </a:rPr>
+              <a:t>priorityqueue.h</a:t>
+            </a:r>
+            <a:r>
+              <a:rPr lang="en-US" sz="2000" dirty="0">
+                <a:solidFill>
+                  <a:srgbClr val="080FAC"/>
+                </a:solidFill>
+                <a:latin typeface="Courier" pitchFamily="2" charset="0"/>
+              </a:rPr>
+              <a:t> </a:t>
+            </a:r>
+            <a:r>
+              <a:rPr lang="en-US" sz="2000" dirty="0"/>
+              <a:t>to know the interface (the data type, the functions). Then</a:t>
+            </a:r>
+          </a:p>
+          <a:p>
+            <a:r>
+              <a:rPr lang="en-US" sz="2000" b="1" dirty="0"/>
+              <a:t>Step 2.1:</a:t>
+            </a:r>
+            <a:r>
+              <a:rPr lang="en-US" sz="2000" dirty="0"/>
+              <a:t> Write </a:t>
+            </a:r>
+            <a:r>
+              <a:rPr lang="en-US" sz="2000" dirty="0" err="1">
+                <a:solidFill>
+                  <a:srgbClr val="080FAC"/>
+                </a:solidFill>
+                <a:latin typeface="Courier" pitchFamily="2" charset="0"/>
+              </a:rPr>
+              <a:t>diskstra</a:t>
+            </a:r>
+            <a:r>
+              <a:rPr lang="en-US" sz="2000" dirty="0">
+                <a:solidFill>
+                  <a:srgbClr val="080FAC"/>
+                </a:solidFill>
+                <a:latin typeface="Courier" pitchFamily="2" charset="0"/>
+              </a:rPr>
+              <a:t>(…) </a:t>
+            </a:r>
+            <a:r>
+              <a:rPr lang="en-US" sz="2000" dirty="0"/>
+              <a:t>to find shortest path from a source s, and add a function call in </a:t>
+            </a:r>
+            <a:r>
+              <a:rPr lang="en-US" sz="2000" dirty="0">
+                <a:solidFill>
+                  <a:srgbClr val="080FAC"/>
+                </a:solidFill>
+                <a:latin typeface="Courier" pitchFamily="2" charset="0"/>
+              </a:rPr>
+              <a:t>main().</a:t>
+            </a:r>
+            <a:r>
+              <a:rPr lang="en-US" sz="2000" dirty="0"/>
+              <a:t> At first, </a:t>
+            </a:r>
+            <a:r>
+              <a:rPr lang="en-US" sz="2000" dirty="0" err="1">
+                <a:solidFill>
+                  <a:srgbClr val="080FAC"/>
+                </a:solidFill>
+                <a:latin typeface="Courier" pitchFamily="2" charset="0"/>
+              </a:rPr>
+              <a:t>dikstra</a:t>
+            </a:r>
+            <a:r>
+              <a:rPr lang="en-US" sz="2000" dirty="0">
+                <a:solidFill>
+                  <a:srgbClr val="080FAC"/>
+                </a:solidFill>
+                <a:latin typeface="Courier" pitchFamily="2" charset="0"/>
+              </a:rPr>
+              <a:t>(…</a:t>
+            </a:r>
+            <a:r>
+              <a:rPr lang="en-US" sz="2000" dirty="0"/>
+              <a:t>) just builds up arrays </a:t>
+            </a:r>
+            <a:r>
+              <a:rPr lang="en-US" sz="2000" dirty="0" err="1">
+                <a:solidFill>
+                  <a:srgbClr val="080FAC"/>
+                </a:solidFill>
+                <a:latin typeface="Courier" pitchFamily="2" charset="0"/>
+              </a:rPr>
+              <a:t>dist</a:t>
+            </a:r>
+            <a:r>
+              <a:rPr lang="en-US" sz="2000" dirty="0">
+                <a:solidFill>
+                  <a:srgbClr val="080FAC"/>
+                </a:solidFill>
+                <a:latin typeface="Courier" pitchFamily="2" charset="0"/>
+              </a:rPr>
+              <a:t>[] </a:t>
+            </a:r>
+            <a:r>
+              <a:rPr lang="en-US" sz="2000" dirty="0"/>
+              <a:t>and </a:t>
+            </a:r>
+            <a:r>
+              <a:rPr lang="en-US" sz="2000" dirty="0" err="1">
+                <a:solidFill>
+                  <a:srgbClr val="080FAC"/>
+                </a:solidFill>
+                <a:latin typeface="Courier" pitchFamily="2" charset="0"/>
+              </a:rPr>
+              <a:t>pred</a:t>
+            </a:r>
+            <a:r>
+              <a:rPr lang="en-US" sz="2000" dirty="0">
+                <a:solidFill>
+                  <a:srgbClr val="080FAC"/>
+                </a:solidFill>
+                <a:latin typeface="Courier" pitchFamily="2" charset="0"/>
+              </a:rPr>
+              <a:t>[]. </a:t>
+            </a:r>
+            <a:r>
+              <a:rPr lang="en-US" sz="2000" dirty="0"/>
+              <a:t>Note that:</a:t>
+            </a:r>
+          </a:p>
+          <a:p>
+            <a:pPr lvl="1"/>
+            <a:r>
+              <a:rPr lang="en-US" sz="1800" dirty="0"/>
+              <a:t> it would be convenient to have an array </a:t>
+            </a:r>
+            <a:r>
+              <a:rPr lang="en-US" sz="1800" dirty="0">
+                <a:solidFill>
+                  <a:srgbClr val="080FAC"/>
+                </a:solidFill>
+                <a:latin typeface="Courier" pitchFamily="2" charset="0"/>
+              </a:rPr>
+              <a:t>visited[] </a:t>
+            </a:r>
+            <a:r>
+              <a:rPr lang="en-US" sz="1800" dirty="0"/>
+              <a:t>so that </a:t>
+            </a:r>
+            <a:r>
+              <a:rPr lang="en-US" sz="1800" dirty="0">
+                <a:solidFill>
+                  <a:srgbClr val="080FAC"/>
+                </a:solidFill>
+                <a:latin typeface="Courier" pitchFamily="2" charset="0"/>
+              </a:rPr>
+              <a:t>visited[u]= true </a:t>
+            </a:r>
+            <a:r>
+              <a:rPr lang="en-US" sz="1800" dirty="0" err="1"/>
+              <a:t>iif</a:t>
+            </a:r>
+            <a:r>
+              <a:rPr lang="en-US" sz="1800" dirty="0"/>
+              <a:t> the the shortest path for u already found,</a:t>
+            </a:r>
+          </a:p>
+          <a:p>
+            <a:pPr lvl="1"/>
+            <a:r>
+              <a:rPr lang="en-US" sz="1800" dirty="0"/>
+              <a:t>when inserting to </a:t>
+            </a:r>
+            <a:r>
+              <a:rPr lang="en-US" sz="1800" dirty="0">
+                <a:solidFill>
+                  <a:srgbClr val="080FAC"/>
+                </a:solidFill>
+                <a:latin typeface="Courier" pitchFamily="2" charset="0"/>
+              </a:rPr>
+              <a:t>PQ</a:t>
+            </a:r>
+            <a:r>
+              <a:rPr lang="en-US" sz="1800" dirty="0"/>
+              <a:t>, you should insert both node </a:t>
+            </a:r>
+            <a:r>
+              <a:rPr lang="en-US" sz="1800" dirty="0">
+                <a:solidFill>
+                  <a:srgbClr val="080FAC"/>
+                </a:solidFill>
+                <a:latin typeface="Courier" pitchFamily="2" charset="0"/>
+              </a:rPr>
+              <a:t>u </a:t>
+            </a:r>
+            <a:r>
+              <a:rPr lang="en-US" sz="1800" dirty="0"/>
+              <a:t>and distance </a:t>
+            </a:r>
+            <a:r>
+              <a:rPr lang="en-US" sz="1800" dirty="0" err="1">
+                <a:solidFill>
+                  <a:srgbClr val="080FAC"/>
+                </a:solidFill>
+                <a:latin typeface="Courier" pitchFamily="2" charset="0"/>
+              </a:rPr>
+              <a:t>dist</a:t>
+            </a:r>
+            <a:r>
+              <a:rPr lang="en-US" sz="1800" dirty="0">
+                <a:solidFill>
+                  <a:srgbClr val="080FAC"/>
+                </a:solidFill>
+                <a:latin typeface="Courier" pitchFamily="2" charset="0"/>
+              </a:rPr>
+              <a:t>[u]</a:t>
+            </a:r>
+          </a:p>
+          <a:p>
+            <a:pPr lvl="1"/>
+            <a:r>
+              <a:rPr lang="en-US" sz="1800" dirty="0"/>
+              <a:t>when modifying </a:t>
+            </a:r>
+            <a:r>
+              <a:rPr lang="en-US" sz="1800" dirty="0" err="1">
+                <a:solidFill>
+                  <a:srgbClr val="080FAC"/>
+                </a:solidFill>
+                <a:latin typeface="Courier" pitchFamily="2" charset="0"/>
+              </a:rPr>
+              <a:t>dist</a:t>
+            </a:r>
+            <a:r>
+              <a:rPr lang="en-US" sz="1800" dirty="0">
+                <a:solidFill>
+                  <a:srgbClr val="080FAC"/>
+                </a:solidFill>
+                <a:latin typeface="Courier" pitchFamily="2" charset="0"/>
+              </a:rPr>
+              <a:t>[v]</a:t>
+            </a:r>
+            <a:r>
+              <a:rPr lang="en-US" sz="1800" dirty="0"/>
+              <a:t>, remember to modify the corresponding priority in the </a:t>
+            </a:r>
+            <a:r>
+              <a:rPr lang="en-US" sz="1800" dirty="0">
+                <a:solidFill>
+                  <a:srgbClr val="080FAC"/>
+                </a:solidFill>
+                <a:latin typeface="Courier" pitchFamily="2" charset="0"/>
+              </a:rPr>
+              <a:t>PQ</a:t>
+            </a:r>
+            <a:r>
+              <a:rPr lang="en-US" sz="1800" dirty="0"/>
+              <a:t>. What is the complexity of that </a:t>
+            </a:r>
+            <a:r>
+              <a:rPr lang="en-AU" sz="1800" dirty="0" err="1">
+                <a:solidFill>
+                  <a:srgbClr val="080FAC"/>
+                </a:solidFill>
+                <a:latin typeface="Courier" pitchFamily="2" charset="0"/>
+              </a:rPr>
+              <a:t>priority_queue_update</a:t>
+            </a:r>
+            <a:r>
+              <a:rPr lang="en-AU" sz="1800" dirty="0"/>
+              <a:t> ?</a:t>
+            </a:r>
+            <a:endParaRPr lang="en-US" sz="1800" dirty="0"/>
+          </a:p>
+          <a:p>
+            <a:r>
+              <a:rPr lang="en-US" sz="2000" b="1" dirty="0"/>
+              <a:t>Step 2.2:</a:t>
+            </a:r>
+            <a:r>
+              <a:rPr lang="en-US" sz="2000" dirty="0"/>
+              <a:t> What should </a:t>
+            </a:r>
+            <a:r>
+              <a:rPr lang="en-US" sz="2000" dirty="0" err="1">
+                <a:solidFill>
+                  <a:srgbClr val="080FAC"/>
+                </a:solidFill>
+                <a:latin typeface="Courier" pitchFamily="2" charset="0"/>
+              </a:rPr>
+              <a:t>dijkstra</a:t>
+            </a:r>
+            <a:r>
+              <a:rPr lang="en-US" sz="2000" dirty="0">
+                <a:solidFill>
+                  <a:srgbClr val="080FAC"/>
+                </a:solidFill>
+                <a:latin typeface="Courier" pitchFamily="2" charset="0"/>
+              </a:rPr>
+              <a:t>()</a:t>
+            </a:r>
+            <a:r>
+              <a:rPr lang="en-US" sz="2000" dirty="0"/>
+              <a:t> output? </a:t>
+            </a:r>
+            <a:r>
+              <a:rPr lang="en-AU" sz="2000" dirty="0"/>
+              <a:t>Modify your function to store the paths from the start node to each other node in an array of linked lists or an array of arrays. Which data structure will be easier to work with? </a:t>
+            </a:r>
+          </a:p>
+          <a:p>
+            <a:pPr marL="0" indent="0">
+              <a:buNone/>
+            </a:pPr>
+            <a:endParaRPr lang="en-US" sz="2000" dirty="0"/>
+          </a:p>
+          <a:p>
+            <a:pPr marL="0" indent="0">
+              <a:buNone/>
+            </a:pPr>
+            <a:endParaRPr lang="en-US" sz="2000" dirty="0"/>
+          </a:p>
+        </p:txBody>
+      </p:sp>
+      <p:sp>
+        <p:nvSpPr>
+          <p:cNvPr id="4" name="Date Placeholder 3">
+            <a:extLst>
+              <a:ext uri="{FF2B5EF4-FFF2-40B4-BE49-F238E27FC236}">
+                <a16:creationId xmlns:a16="http://schemas.microsoft.com/office/drawing/2014/main" id="{894F5C22-E803-954A-8C2D-E8E414B17B69}"/>
+              </a:ext>
+            </a:extLst>
+          </p:cNvPr>
+          <p:cNvSpPr>
+            <a:spLocks noGrp="1"/>
+          </p:cNvSpPr>
+          <p:nvPr>
+            <p:ph type="dt" sz="half" idx="10"/>
+          </p:nvPr>
+        </p:nvSpPr>
+        <p:spPr/>
+        <p:txBody>
+          <a:bodyPr/>
+          <a:lstStyle/>
+          <a:p>
+            <a:pPr>
+              <a:defRPr/>
+            </a:pPr>
+            <a:r>
+              <a:rPr lang="en-AU"/>
+              <a:t>Anh Vo    </a:t>
+            </a:r>
+            <a:fld id="{A9DEA08E-4CB3-E742-9AC2-43959A293033}" type="datetime4">
+              <a:rPr lang="en-AU" smtClean="0"/>
+              <a:t>20 April 2021</a:t>
+            </a:fld>
+            <a:endParaRPr lang="en-US" dirty="0"/>
+          </a:p>
+        </p:txBody>
+      </p:sp>
+      <p:sp>
+        <p:nvSpPr>
+          <p:cNvPr id="5" name="Footer Placeholder 4">
+            <a:extLst>
+              <a:ext uri="{FF2B5EF4-FFF2-40B4-BE49-F238E27FC236}">
+                <a16:creationId xmlns:a16="http://schemas.microsoft.com/office/drawing/2014/main" id="{5E299B08-786D-7845-9397-7C724661F16B}"/>
+              </a:ext>
+            </a:extLst>
+          </p:cNvPr>
+          <p:cNvSpPr>
+            <a:spLocks noGrp="1"/>
+          </p:cNvSpPr>
+          <p:nvPr>
+            <p:ph type="ftr" sz="quarter" idx="11"/>
+          </p:nvPr>
+        </p:nvSpPr>
+        <p:spPr/>
+        <p:txBody>
+          <a:bodyPr/>
+          <a:lstStyle/>
+          <a:p>
+            <a:pPr>
+              <a:defRPr/>
+            </a:pPr>
+            <a:r>
+              <a:rPr lang="en-US" dirty="0"/>
+              <a:t>COMP20007.Worshop</a:t>
+            </a:r>
+          </a:p>
+        </p:txBody>
+      </p:sp>
+      <p:sp>
+        <p:nvSpPr>
+          <p:cNvPr id="6" name="Slide Number Placeholder 5">
+            <a:extLst>
+              <a:ext uri="{FF2B5EF4-FFF2-40B4-BE49-F238E27FC236}">
+                <a16:creationId xmlns:a16="http://schemas.microsoft.com/office/drawing/2014/main" id="{BB32BD16-A7C7-E349-B2EA-8392C7AD5A84}"/>
+              </a:ext>
+            </a:extLst>
+          </p:cNvPr>
+          <p:cNvSpPr>
+            <a:spLocks noGrp="1"/>
+          </p:cNvSpPr>
+          <p:nvPr>
+            <p:ph type="sldNum" sz="quarter" idx="12"/>
+          </p:nvPr>
+        </p:nvSpPr>
+        <p:spPr/>
+        <p:txBody>
+          <a:bodyPr/>
+          <a:lstStyle/>
+          <a:p>
+            <a:pPr>
+              <a:defRPr/>
+            </a:pPr>
+            <a:fld id="{F9610808-8E44-6F46-B441-732A53FE435D}" type="slidenum">
+              <a:rPr lang="en-US" smtClean="0"/>
+              <a:pPr>
+                <a:defRPr/>
+              </a:pPr>
+              <a:t>18</a:t>
             </a:fld>
             <a:endParaRPr lang="en-US" dirty="0"/>
           </a:p>
@@ -10590,7 +11271,7 @@
           <a:graphicData uri="http://schemas.openxmlformats.org/presentationml/2006/ole">
             <mc:AlternateContent xmlns:mc="http://schemas.openxmlformats.org/markup-compatibility/2006">
               <mc:Choice xmlns:v="urn:schemas-microsoft-com:vml" Requires="v">
-                <p:oleObj spid="_x0000_s1080" name="Equation" r:id="rId3" imgW="114300" imgH="165100" progId="Equation.3">
+                <p:oleObj spid="_x0000_s1082" name="Equation" r:id="rId3" imgW="114300" imgH="165100" progId="Equation.3">
                   <p:embed/>
                 </p:oleObj>
               </mc:Choice>
@@ -10746,7 +11427,7 @@
           <a:graphicData uri="http://schemas.openxmlformats.org/presentationml/2006/ole">
             <mc:AlternateContent xmlns:mc="http://schemas.openxmlformats.org/markup-compatibility/2006">
               <mc:Choice xmlns:v="urn:schemas-microsoft-com:vml" Requires="v">
-                <p:oleObj spid="_x0000_s1081" name="Equation" r:id="rId6" imgW="1397000" imgH="698500" progId="Equation.3">
+                <p:oleObj spid="_x0000_s1083" name="Equation" r:id="rId6" imgW="1397000" imgH="698500" progId="Equation.3">
                   <p:embed/>
                 </p:oleObj>
               </mc:Choice>
@@ -13346,7 +14027,7 @@
           <a:graphicData uri="http://schemas.openxmlformats.org/presentationml/2006/ole">
             <mc:AlternateContent xmlns:mc="http://schemas.openxmlformats.org/markup-compatibility/2006">
               <mc:Choice xmlns:v="urn:schemas-microsoft-com:vml" Requires="v">
-                <p:oleObj spid="_x0000_s2075" name="Equation" r:id="rId6" imgW="1397000" imgH="698500" progId="Equation.3">
+                <p:oleObj spid="_x0000_s2076" name="Equation" r:id="rId6" imgW="1397000" imgH="698500" progId="Equation.3">
                   <p:embed/>
                 </p:oleObj>
               </mc:Choice>
